--- a/doc/SCALLOP_INF1-120819.pptx
+++ b/doc/SCALLOP_INF1-120819.pptx
@@ -16,7 +16,8 @@
     <p:sldId id="264" r:id="rId10"/>
     <p:sldId id="265" r:id="rId11"/>
     <p:sldId id="266" r:id="rId12"/>
-    <p:sldId id="267" r:id="rId13"/>
+    <p:sldId id="268" r:id="rId13"/>
+    <p:sldId id="267" r:id="rId14"/>
   </p:sldIdLst>
   <p:sldSz cx="12192000" cy="6858000"/>
   <p:notesSz cx="6858000" cy="9144000"/>
@@ -115,6 +116,11 @@
       </a:defRPr>
     </a:lvl9pPr>
   </p:defaultTextStyle>
+  <p:extLst>
+    <p:ext uri="{EFAFB233-063F-42B5-8137-9DF3F51BA10A}">
+      <p15:sldGuideLst xmlns:p15="http://schemas.microsoft.com/office/powerpoint/2012/main"/>
+    </p:ext>
+  </p:extLst>
 </p:presentation>
 </file>
 
@@ -3329,12 +3335,21 @@
                   <a:srgbClr val="FF0000"/>
                 </a:solidFill>
               </a:rPr>
-              <a:t>IL.18R1/INTERVAL/r2-0.8-pruned/</a:t>
+              <a:t>IL.18R1/INTERVAL/r2-0.8-pruned</a:t>
+            </a:r>
+            <a:r>
+              <a:rPr lang="en-GB" dirty="0" smtClean="0">
+                <a:solidFill>
+                  <a:srgbClr val="FF0000"/>
+                </a:solidFill>
+              </a:rPr>
+              <a:t>/</a:t>
             </a:r>
             <a:r>
               <a:rPr lang="en-GB" dirty="0" smtClean="0"/>
               <a:t>).</a:t>
             </a:r>
+            <a:endParaRPr lang="en-GB" dirty="0" smtClean="0"/>
           </a:p>
           <a:p>
             <a:pPr lvl="1"/>
@@ -3348,8 +3363,13 @@
             </a:r>
             <a:r>
               <a:rPr lang="en-GB" dirty="0" smtClean="0"/>
-              <a:t> already worked.</a:t>
-            </a:r>
+              <a:t> already worked</a:t>
+            </a:r>
+            <a:r>
+              <a:rPr lang="en-GB" dirty="0" smtClean="0"/>
+              <a:t>. Unfortunately JAM does not select the sentinel.</a:t>
+            </a:r>
+            <a:endParaRPr lang="en-GB" dirty="0" smtClean="0"/>
           </a:p>
           <a:p>
             <a:pPr lvl="1"/>
@@ -3413,6 +3433,144 @@
             <a:pPr algn="ctr"/>
             <a:r>
               <a:rPr lang="en-GB" b="1" dirty="0" smtClean="0"/>
+              <a:t>Side results</a:t>
+            </a:r>
+            <a:endParaRPr lang="en-GB" b="1" dirty="0"/>
+          </a:p>
+        </p:txBody>
+      </p:sp>
+      <p:sp>
+        <p:nvSpPr>
+          <p:cNvPr id="3" name="Content Placeholder 2"/>
+          <p:cNvSpPr>
+            <a:spLocks noGrp="1"/>
+          </p:cNvSpPr>
+          <p:nvPr>
+            <p:ph idx="1"/>
+          </p:nvPr>
+        </p:nvSpPr>
+        <p:spPr/>
+        <p:txBody>
+          <a:bodyPr/>
+          <a:lstStyle/>
+          <a:p>
+            <a:r>
+              <a:rPr lang="en-GB" dirty="0" smtClean="0"/>
+              <a:t>sentinels() for sentinel selection is part of R/gap.</a:t>
+            </a:r>
+          </a:p>
+          <a:p>
+            <a:r>
+              <a:rPr lang="en-GB" dirty="0" err="1" smtClean="0"/>
+              <a:t>cs</a:t>
+            </a:r>
+            <a:r>
+              <a:rPr lang="en-GB" dirty="0" smtClean="0"/>
+              <a:t>() for credible sets is part of R/gap.</a:t>
+            </a:r>
+          </a:p>
+          <a:p>
+            <a:r>
+              <a:rPr lang="en-GB" dirty="0" smtClean="0"/>
+              <a:t>With script using unpruned reference ready for GCTA and </a:t>
+            </a:r>
+            <a:r>
+              <a:rPr lang="en-GB" dirty="0" err="1" smtClean="0"/>
+              <a:t>finemap</a:t>
+            </a:r>
+            <a:r>
+              <a:rPr lang="en-GB" dirty="0" smtClean="0"/>
+              <a:t>, the pruned version is also OK to include JAM. The alignment of effect allele for </a:t>
+            </a:r>
+            <a:r>
+              <a:rPr lang="en-GB" dirty="0" err="1" smtClean="0"/>
+              <a:t>finemap</a:t>
+            </a:r>
+            <a:r>
+              <a:rPr lang="en-GB" dirty="0" smtClean="0"/>
+              <a:t> and use of R </a:t>
+            </a:r>
+            <a:r>
+              <a:rPr lang="en-GB" dirty="0" err="1" smtClean="0"/>
+              <a:t>rbgen</a:t>
+            </a:r>
+            <a:r>
+              <a:rPr lang="en-GB" dirty="0" smtClean="0"/>
+              <a:t>/plink2R for JAM reference file as with missing data imputation are eventually brought to control.</a:t>
+            </a:r>
+          </a:p>
+          <a:p>
+            <a:r>
+              <a:rPr lang="en-GB" dirty="0" smtClean="0"/>
+              <a:t>The handling of alleles should facilitate other downstream analysis such as MR/</a:t>
+            </a:r>
+            <a:r>
+              <a:rPr lang="en-GB" dirty="0" err="1" smtClean="0"/>
+              <a:t>colocalisation</a:t>
+            </a:r>
+            <a:r>
+              <a:rPr lang="en-GB" dirty="0" smtClean="0"/>
+              <a:t> otherwise seen </a:t>
+            </a:r>
+            <a:r>
+              <a:rPr lang="en-GB" smtClean="0"/>
+              <a:t>to be difficult</a:t>
+            </a:r>
+            <a:r>
+              <a:rPr lang="en-GB" dirty="0" smtClean="0"/>
+              <a:t>.</a:t>
+            </a:r>
+          </a:p>
+        </p:txBody>
+      </p:sp>
+    </p:spTree>
+    <p:extLst>
+      <p:ext uri="{BB962C8B-B14F-4D97-AF65-F5344CB8AC3E}">
+        <p14:creationId xmlns:p14="http://schemas.microsoft.com/office/powerpoint/2010/main" val="1924822876"/>
+      </p:ext>
+    </p:extLst>
+  </p:cSld>
+  <p:clrMapOvr>
+    <a:masterClrMapping/>
+  </p:clrMapOvr>
+</p:sld>
+</file>
+
+<file path=ppt/slides/slide13.xml><?xml version="1.0" encoding="utf-8"?>
+<p:sld xmlns:a="http://schemas.openxmlformats.org/drawingml/2006/main" xmlns:r="http://schemas.openxmlformats.org/officeDocument/2006/relationships" xmlns:p="http://schemas.openxmlformats.org/presentationml/2006/main">
+  <p:cSld>
+    <p:spTree>
+      <p:nvGrpSpPr>
+        <p:cNvPr id="1" name=""/>
+        <p:cNvGrpSpPr/>
+        <p:nvPr/>
+      </p:nvGrpSpPr>
+      <p:grpSpPr>
+        <a:xfrm>
+          <a:off x="0" y="0"/>
+          <a:ext cx="0" cy="0"/>
+          <a:chOff x="0" y="0"/>
+          <a:chExt cx="0" cy="0"/>
+        </a:xfrm>
+      </p:grpSpPr>
+      <p:sp>
+        <p:nvSpPr>
+          <p:cNvPr id="2" name="Title 1"/>
+          <p:cNvSpPr>
+            <a:spLocks noGrp="1"/>
+          </p:cNvSpPr>
+          <p:nvPr>
+            <p:ph type="title"/>
+          </p:nvPr>
+        </p:nvSpPr>
+        <p:spPr/>
+        <p:txBody>
+          <a:bodyPr/>
+          <a:lstStyle/>
+          <a:p>
+            <a:pPr algn="ctr"/>
+            <a:r>
+              <a:rPr lang="en-GB" b="1" dirty="0" smtClean="0"/>
               <a:t>Other aspects</a:t>
             </a:r>
             <a:endParaRPr lang="en-GB" b="1" dirty="0"/>
@@ -3644,11 +3802,7 @@
             <a:pPr lvl="1"/>
             <a:r>
               <a:rPr lang="en-GB" dirty="0" smtClean="0"/>
-              <a:t>Generation of GWA summary statistics with filters on GWA p, </a:t>
-            </a:r>
-            <a:r>
-              <a:rPr lang="en-GB" dirty="0" smtClean="0"/>
-              <a:t>I^2 and effects (csd3, </a:t>
+              <a:t>Generation of GWA summary statistics with filters on GWA p, I^2 and effects (csd3, </a:t>
             </a:r>
             <a:r>
               <a:rPr lang="en-GB" dirty="0" smtClean="0">
@@ -3692,11 +3846,7 @@
             </a:r>
             <a:r>
               <a:rPr lang="en-GB" dirty="0" smtClean="0"/>
-              <a:t>)</a:t>
-            </a:r>
-            <a:r>
-              <a:rPr lang="en-GB" dirty="0" smtClean="0"/>
-              <a:t>.</a:t>
+              <a:t>).</a:t>
             </a:r>
           </a:p>
           <a:p>
@@ -4154,11 +4304,7 @@
           <a:p>
             <a:r>
               <a:rPr lang="en-GB" dirty="0" smtClean="0"/>
-              <a:t>Results</a:t>
-            </a:r>
-            <a:r>
-              <a:rPr lang="en-GB" dirty="0" smtClean="0"/>
-              <a:t> (directory </a:t>
+              <a:t>Results (directory </a:t>
             </a:r>
             <a:r>
               <a:rPr lang="en-GB" dirty="0" err="1" smtClean="0">
@@ -4180,29 +4326,12 @@
               <a:rPr lang="en-GB" dirty="0" smtClean="0"/>
               <a:t>)</a:t>
             </a:r>
-            <a:endParaRPr lang="en-GB" dirty="0" smtClean="0"/>
           </a:p>
           <a:p>
             <a:pPr lvl="1"/>
             <a:r>
               <a:rPr lang="en-GB" dirty="0" smtClean="0"/>
-              <a:t>221 cis + 122 trans = 343 signals (1 marginal trans, to be excluded?) which correspond to </a:t>
-            </a:r>
-            <a:r>
-              <a:rPr lang="en-GB" dirty="0" smtClean="0"/>
-              <a:t>(174 cis + 103 trans =) </a:t>
-            </a:r>
-            <a:r>
-              <a:rPr lang="en-GB" dirty="0" smtClean="0"/>
-              <a:t>277 primary and </a:t>
-            </a:r>
-            <a:r>
-              <a:rPr lang="en-GB" dirty="0" smtClean="0"/>
-              <a:t>(47 cis + 19 trans =) </a:t>
-            </a:r>
-            <a:r>
-              <a:rPr lang="en-GB" dirty="0" smtClean="0"/>
-              <a:t>66 secondary signals</a:t>
+              <a:t>221 cis + 122 trans = 343 signals (1 marginal trans, to be excluded?) which correspond to (174 cis + 103 trans =) 277 primary and (47 cis + 19 trans =) 66 secondary signals</a:t>
             </a:r>
           </a:p>
           <a:p>
@@ -4284,8 +4413,8 @@
           </a:p>
         </p:txBody>
       </p:sp>
-      <mc:AlternateContent xmlns:mc="http://schemas.openxmlformats.org/markup-compatibility/2006">
-        <mc:Choice xmlns:a14="http://schemas.microsoft.com/office/drawing/2010/main" Requires="a14">
+      <mc:AlternateContent xmlns:mc="http://schemas.openxmlformats.org/markup-compatibility/2006" xmlns:a14="http://schemas.microsoft.com/office/drawing/2010/main">
+        <mc:Choice Requires="a14">
           <p:sp>
             <p:nvSpPr>
               <p:cNvPr id="3" name="Content Placeholder 2"/>
@@ -4559,7 +4688,7 @@
             </p:txBody>
           </p:sp>
         </mc:Choice>
-        <mc:Fallback>
+        <mc:Fallback xmlns="">
           <p:sp>
             <p:nvSpPr>
               <p:cNvPr id="3" name="Content Placeholder 2"/>
@@ -5070,11 +5199,7 @@
           <a:p>
             <a:r>
               <a:rPr lang="en-GB" dirty="0" smtClean="0"/>
-              <a:t>Nevertheless individual results can be done with </a:t>
-            </a:r>
-            <a:r>
-              <a:rPr lang="en-GB" dirty="0" smtClean="0"/>
-              <a:t>R package from GitHub repository </a:t>
+              <a:t>Nevertheless individual results can be done with R package from GitHub repository </a:t>
             </a:r>
             <a:r>
               <a:rPr lang="en-GB" dirty="0" err="1" smtClean="0"/>

--- a/doc/SCALLOP_INF1-120819.pptx
+++ b/doc/SCALLOP_INF1-120819.pptx
@@ -3335,21 +3335,12 @@
                   <a:srgbClr val="FF0000"/>
                 </a:solidFill>
               </a:rPr>
-              <a:t>IL.18R1/INTERVAL/r2-0.8-pruned</a:t>
-            </a:r>
-            <a:r>
-              <a:rPr lang="en-GB" dirty="0" smtClean="0">
-                <a:solidFill>
-                  <a:srgbClr val="FF0000"/>
-                </a:solidFill>
-              </a:rPr>
-              <a:t>/</a:t>
+              <a:t>IL.18R1/INTERVAL/r2-0.8-pruned/</a:t>
             </a:r>
             <a:r>
               <a:rPr lang="en-GB" dirty="0" smtClean="0"/>
               <a:t>).</a:t>
             </a:r>
-            <a:endParaRPr lang="en-GB" dirty="0" smtClean="0"/>
           </a:p>
           <a:p>
             <a:pPr lvl="1"/>
@@ -3363,13 +3354,8 @@
             </a:r>
             <a:r>
               <a:rPr lang="en-GB" dirty="0" smtClean="0"/>
-              <a:t> already worked</a:t>
-            </a:r>
-            <a:r>
-              <a:rPr lang="en-GB" dirty="0" smtClean="0"/>
-              <a:t>. Unfortunately JAM does not select the sentinel.</a:t>
-            </a:r>
-            <a:endParaRPr lang="en-GB" dirty="0" smtClean="0"/>
+              <a:t> already worked. Unfortunately JAM does not select the sentinel.</a:t>
+            </a:r>
           </a:p>
           <a:p>
             <a:pPr lvl="1"/>
@@ -3933,12 +3919,21 @@
             <a:pPr lvl="1"/>
             <a:r>
               <a:rPr lang="en-GB" dirty="0" err="1" smtClean="0"/>
-              <a:t>Finemap</a:t>
-            </a:r>
-            <a:r>
-              <a:rPr lang="en-GB" dirty="0" smtClean="0"/>
-              <a:t> to be added (pending on IL.6 results, k=10 as default?)</a:t>
-            </a:r>
+              <a:t>finemap</a:t>
+            </a:r>
+            <a:r>
+              <a:rPr lang="en-GB" dirty="0" smtClean="0"/>
+              <a:t> </a:t>
+            </a:r>
+            <a:r>
+              <a:rPr lang="en-GB" dirty="0" smtClean="0"/>
+              <a:t>to be added </a:t>
+            </a:r>
+            <a:r>
+              <a:rPr lang="en-GB" dirty="0" smtClean="0"/>
+              <a:t>(see IL.6 results with default k=5, k=10 more preferable?)</a:t>
+            </a:r>
+            <a:endParaRPr lang="en-GB" dirty="0" smtClean="0"/>
           </a:p>
           <a:p>
             <a:r>
@@ -4949,7 +4944,9 @@
         </p:nvSpPr>
         <p:spPr/>
         <p:txBody>
-          <a:bodyPr/>
+          <a:bodyPr>
+            <a:normAutofit fontScale="92500" lnSpcReduction="10000"/>
+          </a:bodyPr>
           <a:lstStyle/>
           <a:p>
             <a:r>
@@ -4970,19 +4967,152 @@
             </a:r>
             <a:r>
               <a:rPr lang="en-GB" dirty="0" smtClean="0"/>
-              <a:t> and .cred from the latest v1.3.1</a:t>
-            </a:r>
-          </a:p>
-          <a:p>
-            <a:r>
-              <a:rPr lang="en-GB" dirty="0" smtClean="0"/>
-              <a:t>The IL.6 example – trans signals at Chr1.</a:t>
-            </a:r>
-          </a:p>
-          <a:p>
-            <a:r>
-              <a:rPr lang="en-GB" dirty="0" smtClean="0"/>
-              <a:t>To be added.</a:t>
+              <a:t> and .cred from the latest </a:t>
+            </a:r>
+            <a:r>
+              <a:rPr lang="en-GB" dirty="0" smtClean="0"/>
+              <a:t>v1.3.1 while .log and .dose files are for information and a binary file for which only the format is described.</a:t>
+            </a:r>
+            <a:endParaRPr lang="en-GB" dirty="0" smtClean="0"/>
+          </a:p>
+          <a:p>
+            <a:r>
+              <a:rPr lang="en-GB" dirty="0" smtClean="0"/>
+              <a:t>IL.6 (encoded by </a:t>
+            </a:r>
+            <a:r>
+              <a:rPr lang="en-GB" i="1" dirty="0" smtClean="0"/>
+              <a:t>IL6</a:t>
+            </a:r>
+            <a:r>
+              <a:rPr lang="en-GB" dirty="0" smtClean="0"/>
+              <a:t> on Chr7) can be used as a benchmark – GWAS has confirmed no cis but a trans signal </a:t>
+            </a:r>
+            <a:r>
+              <a:rPr lang="en-GB" dirty="0" smtClean="0"/>
+              <a:t>at Chr1.</a:t>
+            </a:r>
+          </a:p>
+          <a:p>
+            <a:r>
+              <a:rPr lang="en-GB" dirty="0" smtClean="0"/>
+              <a:t>The output (directory </a:t>
+            </a:r>
+            <a:r>
+              <a:rPr lang="en-GB" dirty="0" err="1" smtClean="0">
+                <a:solidFill>
+                  <a:srgbClr val="FF0000"/>
+                </a:solidFill>
+              </a:rPr>
+              <a:t>finemap</a:t>
+            </a:r>
+            <a:r>
+              <a:rPr lang="en-GB" dirty="0" smtClean="0">
+                <a:solidFill>
+                  <a:srgbClr val="FF0000"/>
+                </a:solidFill>
+              </a:rPr>
+              <a:t>/</a:t>
+            </a:r>
+            <a:r>
+              <a:rPr lang="en-GB" dirty="0" smtClean="0"/>
+              <a:t>) has been assembled into .</a:t>
+            </a:r>
+            <a:r>
+              <a:rPr lang="en-GB" dirty="0" err="1" smtClean="0"/>
+              <a:t>xlsx</a:t>
+            </a:r>
+            <a:r>
+              <a:rPr lang="en-GB" dirty="0" smtClean="0"/>
+              <a:t> containing </a:t>
+            </a:r>
+            <a:r>
+              <a:rPr lang="en-GB" dirty="0" err="1" smtClean="0"/>
+              <a:t>snpid-rsid</a:t>
+            </a:r>
+            <a:r>
+              <a:rPr lang="en-GB" dirty="0" smtClean="0"/>
+              <a:t> correspondence, </a:t>
+            </a:r>
+            <a:r>
+              <a:rPr lang="en-GB" dirty="0" smtClean="0"/>
+              <a:t>.</a:t>
+            </a:r>
+            <a:r>
+              <a:rPr lang="en-GB" dirty="0" err="1" smtClean="0"/>
+              <a:t>snp</a:t>
+            </a:r>
+            <a:r>
+              <a:rPr lang="en-GB" dirty="0" smtClean="0"/>
+              <a:t>, .c(on)f(</a:t>
+            </a:r>
+            <a:r>
+              <a:rPr lang="en-GB" dirty="0" err="1" smtClean="0"/>
+              <a:t>i</a:t>
+            </a:r>
+            <a:r>
+              <a:rPr lang="en-GB" dirty="0" smtClean="0"/>
+              <a:t>)g, .cred, respectively. Note the </a:t>
+            </a:r>
+            <a:r>
+              <a:rPr lang="en-GB" dirty="0" err="1" smtClean="0"/>
+              <a:t>the</a:t>
+            </a:r>
+            <a:r>
+              <a:rPr lang="en-GB" dirty="0" smtClean="0"/>
+              <a:t> sentinel is among the top of .</a:t>
+            </a:r>
+            <a:r>
+              <a:rPr lang="en-GB" dirty="0" err="1" smtClean="0"/>
+              <a:t>snp</a:t>
+            </a:r>
+            <a:r>
+              <a:rPr lang="en-GB" dirty="0" smtClean="0"/>
+              <a:t> and in .cred </a:t>
+            </a:r>
+            <a:r>
+              <a:rPr lang="en-GB" dirty="0"/>
+              <a:t>and configuration </a:t>
+            </a:r>
+            <a:r>
+              <a:rPr lang="en-GB" dirty="0" smtClean="0"/>
+              <a:t>has posterior probability = 1 and the largest log10(BF). </a:t>
+            </a:r>
+            <a:r>
+              <a:rPr lang="en-GB" dirty="0"/>
+              <a:t>chr1:154464572_A_G (</a:t>
+            </a:r>
+            <a:r>
+              <a:rPr lang="en-GB" dirty="0" smtClean="0">
+                <a:solidFill>
+                  <a:srgbClr val="FF0000"/>
+                </a:solidFill>
+              </a:rPr>
+              <a:t>rs4478801</a:t>
+            </a:r>
+            <a:r>
+              <a:rPr lang="en-GB" dirty="0" smtClean="0"/>
+              <a:t>, also the sentinel as in the </a:t>
+            </a:r>
+            <a:r>
+              <a:rPr lang="en-GB" dirty="0" err="1" smtClean="0"/>
+              <a:t>LocusZoom</a:t>
+            </a:r>
+            <a:r>
+              <a:rPr lang="en-GB" smtClean="0"/>
+              <a:t> plot), </a:t>
+            </a:r>
+            <a:r>
+              <a:rPr lang="en-GB" dirty="0" smtClean="0"/>
+              <a:t>chr1:154492432_C_T </a:t>
+            </a:r>
+            <a:r>
+              <a:rPr lang="en-GB" dirty="0"/>
+              <a:t>(rs4518898), chr1:154504702_A_G (rs60255122), chr1:154512077_C_T (rs73023346), chr1:154514092_C_T (rs72999419</a:t>
+            </a:r>
+            <a:r>
+              <a:rPr lang="en-GB" dirty="0" smtClean="0"/>
+              <a:t>). The huge odds in configurations 2 and 3 also contain the sentinel.</a:t>
             </a:r>
             <a:endParaRPr lang="en-GB" dirty="0"/>
           </a:p>
